--- a/samples/3.pptx
+++ b/samples/3.pptx
@@ -116,19 +116,19 @@
 <pc:chgInfo xmlns:a="http://schemas.openxmlformats.org/drawingml/2006/main" xmlns:r="http://schemas.openxmlformats.org/officeDocument/2006/relationships" xmlns:ac="http://schemas.microsoft.com/office/drawing/2013/main/command" xmlns:pc="http://schemas.microsoft.com/office/powerpoint/2013/main/command">
   <pc:docChgLst>
     <pc:chgData name="Manohar Reddy Poreddy" userId="9c2c0df3-0b4c-4bb3-8194-14cde1460f46" providerId="ADAL" clId="{E19A99A4-DAAE-4EAA-9D6E-6B013C020AFC}"/>
-    <pc:docChg chg="custSel modSld">
-      <pc:chgData name="Manohar Reddy Poreddy" userId="9c2c0df3-0b4c-4bb3-8194-14cde1460f46" providerId="ADAL" clId="{E19A99A4-DAAE-4EAA-9D6E-6B013C020AFC}" dt="2022-12-15T13:35:44.493" v="2"/>
+    <pc:docChg chg="undo custSel modSld">
+      <pc:chgData name="Manohar Reddy Poreddy" userId="9c2c0df3-0b4c-4bb3-8194-14cde1460f46" providerId="ADAL" clId="{E19A99A4-DAAE-4EAA-9D6E-6B013C020AFC}" dt="2022-12-15T13:45:30.757" v="22" actId="20577"/>
       <pc:docMkLst>
         <pc:docMk/>
       </pc:docMkLst>
       <pc:sldChg chg="modSp mod">
-        <pc:chgData name="Manohar Reddy Poreddy" userId="9c2c0df3-0b4c-4bb3-8194-14cde1460f46" providerId="ADAL" clId="{E19A99A4-DAAE-4EAA-9D6E-6B013C020AFC}" dt="2022-12-15T13:35:44.493" v="2"/>
+        <pc:chgData name="Manohar Reddy Poreddy" userId="9c2c0df3-0b4c-4bb3-8194-14cde1460f46" providerId="ADAL" clId="{E19A99A4-DAAE-4EAA-9D6E-6B013C020AFC}" dt="2022-12-15T13:45:30.757" v="22" actId="20577"/>
         <pc:sldMkLst>
           <pc:docMk/>
           <pc:sldMk cId="3877230046" sldId="256"/>
         </pc:sldMkLst>
         <pc:spChg chg="mod">
-          <ac:chgData name="Manohar Reddy Poreddy" userId="9c2c0df3-0b4c-4bb3-8194-14cde1460f46" providerId="ADAL" clId="{E19A99A4-DAAE-4EAA-9D6E-6B013C020AFC}" dt="2022-12-15T13:35:44.493" v="2"/>
+          <ac:chgData name="Manohar Reddy Poreddy" userId="9c2c0df3-0b4c-4bb3-8194-14cde1460f46" providerId="ADAL" clId="{E19A99A4-DAAE-4EAA-9D6E-6B013C020AFC}" dt="2022-12-15T13:45:30.757" v="22" actId="20577"/>
           <ac:spMkLst>
             <pc:docMk/>
             <pc:sldMk cId="3877230046" sldId="256"/>
@@ -3400,7 +3400,7 @@
           <a:lstStyle/>
           <a:p>
             <a:r>
-              <a:rPr lang="en-US" sz="9600" b="1">
+              <a:rPr lang="en-US" sz="9600" b="1" dirty="0">
                 <a:solidFill>
                   <a:schemeClr val="accent6">
                     <a:lumMod val="50000"/>
@@ -3410,7 +3410,7 @@
               <a:t>3.pptx</a:t>
             </a:r>
             <a:br>
-              <a:rPr lang="en-US" sz="9600" b="1">
+              <a:rPr lang="en-US" sz="9600" b="1" dirty="0">
                 <a:solidFill>
                   <a:schemeClr val="accent6">
                     <a:lumMod val="50000"/>
@@ -3419,7 +3419,7 @@
               </a:rPr>
             </a:br>
             <a:r>
-              <a:rPr lang="en-US" sz="9600" b="1">
+              <a:rPr lang="en-US" sz="9600" b="1" dirty="0">
                 <a:solidFill>
                   <a:schemeClr val="accent6">
                     <a:lumMod val="50000"/>
@@ -3429,7 +3429,7 @@
               <a:t>D</a:t>
             </a:r>
             <a:r>
-              <a:rPr lang="en-US" b="1">
+              <a:rPr lang="en-US" b="1" dirty="0">
                 <a:solidFill>
                   <a:srgbClr val="FF0000"/>
                 </a:solidFill>
@@ -3437,7 +3437,7 @@
               <a:t>e</a:t>
             </a:r>
             <a:r>
-              <a:rPr lang="en-US" b="1">
+              <a:rPr lang="en-US" b="1" dirty="0">
                 <a:solidFill>
                   <a:srgbClr val="FF0000"/>
                 </a:solidFill>
